--- a/DS Capstone Project - The Battle of Neighbourhoods (Week 2).pptx
+++ b/DS Capstone Project - The Battle of Neighbourhoods (Week 2).pptx
@@ -132,6 +132,35 @@
 </p:presentation>
 </file>
 
+<file path=ppt/changesInfos/changesInfo1.xml><?xml version="1.0" encoding="utf-8"?>
+<pc:chgInfo xmlns:a="http://schemas.openxmlformats.org/drawingml/2006/main" xmlns:r="http://schemas.openxmlformats.org/officeDocument/2006/relationships" xmlns:ac="http://schemas.microsoft.com/office/drawing/2013/main/command" xmlns:pc="http://schemas.microsoft.com/office/powerpoint/2013/main/command">
+  <pc:docChgLst>
+    <pc:chgData name="N Shivakumar" userId="0c875cfb-ec27-4209-9194-26025eaa28c7" providerId="ADAL" clId="{1AEA3768-FAB0-4CBB-BCF7-63B8351B0815}"/>
+    <pc:docChg chg="modSld">
+      <pc:chgData name="N Shivakumar" userId="0c875cfb-ec27-4209-9194-26025eaa28c7" providerId="ADAL" clId="{1AEA3768-FAB0-4CBB-BCF7-63B8351B0815}" dt="2021-05-28T02:11:45.155" v="2" actId="20577"/>
+      <pc:docMkLst>
+        <pc:docMk/>
+      </pc:docMkLst>
+      <pc:sldChg chg="modSp mod">
+        <pc:chgData name="N Shivakumar" userId="0c875cfb-ec27-4209-9194-26025eaa28c7" providerId="ADAL" clId="{1AEA3768-FAB0-4CBB-BCF7-63B8351B0815}" dt="2021-05-28T02:11:45.155" v="2" actId="20577"/>
+        <pc:sldMkLst>
+          <pc:docMk/>
+          <pc:sldMk cId="1387156113" sldId="256"/>
+        </pc:sldMkLst>
+        <pc:spChg chg="mod">
+          <ac:chgData name="N Shivakumar" userId="0c875cfb-ec27-4209-9194-26025eaa28c7" providerId="ADAL" clId="{1AEA3768-FAB0-4CBB-BCF7-63B8351B0815}" dt="2021-05-28T02:11:45.155" v="2" actId="20577"/>
+          <ac:spMkLst>
+            <pc:docMk/>
+            <pc:sldMk cId="1387156113" sldId="256"/>
+            <ac:spMk id="2" creationId="{00000000-0000-0000-0000-000000000000}"/>
+          </ac:spMkLst>
+        </pc:spChg>
+      </pc:sldChg>
+    </pc:docChg>
+  </pc:docChgLst>
+</pc:chgInfo>
+</file>
+
 <file path=ppt/notesMasters/notesMaster1.xml><?xml version="1.0" encoding="utf-8"?>
 <p:notesMaster xmlns:a="http://schemas.openxmlformats.org/drawingml/2006/main" xmlns:r="http://schemas.openxmlformats.org/officeDocument/2006/relationships" xmlns:p="http://schemas.openxmlformats.org/presentationml/2006/main">
   <p:cSld>
@@ -214,7 +243,7 @@
           <a:p>
             <a:fld id="{2496C8B5-F8CA-47C2-A1CB-9C1B93072166}" type="datetimeFigureOut">
               <a:rPr lang="tr-TR" smtClean="0"/>
-              <a:t>27.05.2021</a:t>
+              <a:t>28.05.2021</a:t>
             </a:fld>
             <a:endParaRPr lang="tr-TR"/>
           </a:p>
@@ -1633,7 +1662,7 @@
             <a:fld id="{5923F103-BC34-4FE4-A40E-EDDEECFDA5D0}" type="datetimeFigureOut">
               <a:rPr lang="en-US" smtClean="0"/>
               <a:pPr/>
-              <a:t>5/27/2021</a:t>
+              <a:t>5/28/2021</a:t>
             </a:fld>
             <a:endParaRPr lang="en-US" dirty="0"/>
           </a:p>
@@ -2754,7 +2783,7 @@
           <a:p>
             <a:fld id="{923A1CC3-2375-41D4-9E03-427CAF2A4C1A}" type="datetimeFigureOut">
               <a:rPr lang="en-US" smtClean="0"/>
-              <a:t>5/27/2021</a:t>
+              <a:t>5/28/2021</a:t>
             </a:fld>
             <a:endParaRPr lang="en-US" dirty="0"/>
           </a:p>
@@ -3766,7 +3795,7 @@
           <a:p>
             <a:fld id="{AFF16868-8199-4C2C-A5B1-63AEE139F88E}" type="datetimeFigureOut">
               <a:rPr lang="en-US" smtClean="0"/>
-              <a:t>5/27/2021</a:t>
+              <a:t>5/28/2021</a:t>
             </a:fld>
             <a:endParaRPr lang="en-US" dirty="0"/>
           </a:p>
@@ -4937,7 +4966,7 @@
           <a:p>
             <a:fld id="{AAD9FF7F-6988-44CC-821B-644E70CD2F73}" type="datetimeFigureOut">
               <a:rPr lang="en-US" smtClean="0"/>
-              <a:t>5/27/2021</a:t>
+              <a:t>5/28/2021</a:t>
             </a:fld>
             <a:endParaRPr lang="en-US" dirty="0"/>
           </a:p>
@@ -5999,7 +6028,7 @@
           <a:p>
             <a:fld id="{5C12C299-16B2-4475-990D-751901EACC14}" type="datetimeFigureOut">
               <a:rPr lang="en-US" smtClean="0"/>
-              <a:t>5/27/2021</a:t>
+              <a:t>5/28/2021</a:t>
             </a:fld>
             <a:endParaRPr lang="en-US" dirty="0"/>
           </a:p>
@@ -6646,7 +6675,7 @@
           <a:p>
             <a:fld id="{9FE86839-B9D8-4651-8783-F325ECE74E65}" type="datetimeFigureOut">
               <a:rPr lang="en-US" smtClean="0"/>
-              <a:t>5/27/2021</a:t>
+              <a:t>5/28/2021</a:t>
             </a:fld>
             <a:endParaRPr lang="en-US" dirty="0"/>
           </a:p>
@@ -7494,7 +7523,7 @@
           <a:p>
             <a:fld id="{FD484F64-32F6-45C5-931F-ADC1662401D0}" type="datetimeFigureOut">
               <a:rPr lang="en-US" smtClean="0"/>
-              <a:t>5/27/2021</a:t>
+              <a:t>5/28/2021</a:t>
             </a:fld>
             <a:endParaRPr lang="en-US" dirty="0"/>
           </a:p>
@@ -7670,7 +7699,7 @@
           <a:p>
             <a:fld id="{53086D93-FCAC-47E0-A2EE-787E62CA814C}" type="datetimeFigureOut">
               <a:rPr lang="en-US" smtClean="0"/>
-              <a:t>5/27/2021</a:t>
+              <a:t>5/28/2021</a:t>
             </a:fld>
             <a:endParaRPr lang="en-US" dirty="0"/>
           </a:p>
@@ -8669,7 +8698,7 @@
           <a:p>
             <a:fld id="{CDA879A6-0FD0-4734-A311-86BFCA472E6E}" type="datetimeFigureOut">
               <a:rPr lang="en-US" smtClean="0"/>
-              <a:t>5/27/2021</a:t>
+              <a:t>5/28/2021</a:t>
             </a:fld>
             <a:endParaRPr lang="en-US" dirty="0"/>
           </a:p>
@@ -8876,7 +8905,7 @@
           <a:p>
             <a:fld id="{19C9CA7B-DFD4-44B5-8C60-D14B8CD1FB59}" type="datetimeFigureOut">
               <a:rPr lang="en-US" smtClean="0"/>
-              <a:t>5/27/2021</a:t>
+              <a:t>5/28/2021</a:t>
             </a:fld>
             <a:endParaRPr lang="en-US" dirty="0"/>
           </a:p>
@@ -9939,7 +9968,7 @@
           <a:p>
             <a:fld id="{F34E6425-0181-43F2-84FC-787E803FD2F8}" type="datetimeFigureOut">
               <a:rPr lang="en-US" smtClean="0"/>
-              <a:t>5/27/2021</a:t>
+              <a:t>5/28/2021</a:t>
             </a:fld>
             <a:endParaRPr lang="en-US" dirty="0"/>
           </a:p>
@@ -10212,7 +10241,7 @@
           <a:p>
             <a:fld id="{3BDB8791-F1B0-41E7-B7FD-A781E65C4266}" type="datetimeFigureOut">
               <a:rPr lang="en-US" smtClean="0"/>
-              <a:t>5/27/2021</a:t>
+              <a:t>5/28/2021</a:t>
             </a:fld>
             <a:endParaRPr lang="en-US" dirty="0"/>
           </a:p>
@@ -10595,7 +10624,7 @@
           <a:p>
             <a:fld id="{5FDD63B2-E120-4ED8-B27B-C685F510A5FE}" type="datetimeFigureOut">
               <a:rPr lang="en-US" smtClean="0"/>
-              <a:t>5/27/2021</a:t>
+              <a:t>5/28/2021</a:t>
             </a:fld>
             <a:endParaRPr lang="en-US" dirty="0"/>
           </a:p>
@@ -10714,7 +10743,7 @@
           <a:p>
             <a:fld id="{7AA18ACC-A947-437B-A130-35BD54FDF1E9}" type="datetimeFigureOut">
               <a:rPr lang="en-US" smtClean="0"/>
-              <a:t>5/27/2021</a:t>
+              <a:t>5/28/2021</a:t>
             </a:fld>
             <a:endParaRPr lang="en-US" dirty="0"/>
           </a:p>
@@ -10810,7 +10839,7 @@
           <a:p>
             <a:fld id="{7C8D7E02-BCB8-4D50-A234-369438C08659}" type="datetimeFigureOut">
               <a:rPr lang="en-US" smtClean="0"/>
-              <a:t>5/27/2021</a:t>
+              <a:t>5/28/2021</a:t>
             </a:fld>
             <a:endParaRPr lang="en-US" dirty="0"/>
           </a:p>
@@ -11920,7 +11949,7 @@
           <a:p>
             <a:fld id="{76E86A4C-8E40-4F87-A4F0-01A0687C5742}" type="datetimeFigureOut">
               <a:rPr lang="en-US" smtClean="0"/>
-              <a:t>5/27/2021</a:t>
+              <a:t>5/28/2021</a:t>
             </a:fld>
             <a:endParaRPr lang="en-US" dirty="0"/>
           </a:p>
@@ -13054,7 +13083,7 @@
           <a:p>
             <a:fld id="{35E72C73-2D91-4E12-BA25-F0AA0C03599B}" type="datetimeFigureOut">
               <a:rPr lang="en-US" smtClean="0"/>
-              <a:t>5/27/2021</a:t>
+              <a:t>5/28/2021</a:t>
             </a:fld>
             <a:endParaRPr lang="en-US" dirty="0"/>
           </a:p>
@@ -14083,7 +14112,7 @@
           <a:p>
             <a:fld id="{2BE451C3-0FF4-47C4-B829-773ADF60F88C}" type="datetimeFigureOut">
               <a:rPr lang="en-US" smtClean="0"/>
-              <a:t>5/27/2021</a:t>
+              <a:t>5/28/2021</a:t>
             </a:fld>
             <a:endParaRPr lang="en-US" dirty="0"/>
           </a:p>
@@ -14713,7 +14742,13 @@
               <a:rPr lang="en-GB" dirty="0">
                 <a:latin typeface="Arial Black" panose="020B0A04020102020204" pitchFamily="34" charset="0"/>
               </a:rPr>
-              <a:t>Capstone Project - The Battle of Neighbourhoods (Week1)</a:t>
+              <a:t>Capstone Project - The Battle of Neighbourhoods </a:t>
+            </a:r>
+            <a:r>
+              <a:rPr lang="en-GB">
+                <a:latin typeface="Arial Black" panose="020B0A04020102020204" pitchFamily="34" charset="0"/>
+              </a:rPr>
+              <a:t>(Week 2)</a:t>
             </a:r>
             <a:br>
               <a:rPr lang="en-GB" dirty="0">
